--- a/LDS_Block_3_Lead.pptx
+++ b/LDS_Block_3_Lead.pptx
@@ -278,7 +278,7 @@
   </p:defaultTextStyle>
   <p:extLst>
     <p:ext uri="GoogleSlidesCustomDataVersion2">
-      <go:slidesCustomData xmlns:go="http://customooxmlschemas.google.com/" r:id="rId33" roundtripDataSignature="AMtx7mjkZKanLuHY3JQ2ycUTVLojOSn4FQ=="/>
+      <go:slidesCustomData xmlns:go="http://customooxmlschemas.google.com/" r:id="rId33" roundtripDataSignature="AMtx7mgusiSgqBa9PbuG3GODqATFexxIbw=="/>
     </p:ext>
   </p:extLst>
 </p:presentation>
@@ -11488,8 +11488,8 @@
         </p:blipFill>
         <p:spPr>
           <a:xfrm>
-            <a:off x="533650" y="672125"/>
-            <a:ext cx="7552841" cy="4305600"/>
+            <a:off x="152400" y="685500"/>
+            <a:ext cx="8395920" cy="4305600"/>
           </a:xfrm>
           <a:prstGeom prst="rect">
             <a:avLst/>
@@ -11872,7 +11872,7 @@
             </a:br>
             <a:r>
               <a:rPr lang="fr" sz="1100"/>
-              <a:t> → + la donnée ajoutée quotidiennement (predictions N–1)</a:t>
+              <a:t> → + la donnée ajoutée quotidiennement (predictions J–1 pour avoir la journée complète)</a:t>
             </a:r>
             <a:br>
               <a:rPr lang="fr" sz="1100"/>
@@ -11980,7 +11980,7 @@
             </a:r>
             <a:r>
               <a:rPr b="1" lang="fr" sz="1100"/>
-              <a:t>transactions prédites aujourd’hui</a:t>
+              <a:t>transactions prédites de la veille</a:t>
             </a:r>
             <a:r>
               <a:rPr lang="fr" sz="1100"/>
@@ -12413,7 +12413,7 @@
             </a:pPr>
             <a:r>
               <a:rPr lang="fr" sz="1100"/>
-              <a:t>En cas de drift, les équipes analysent le rapport</a:t>
+              <a:t>En cas de drift, l’équipe data analyse le rapport de drift d’Evidently</a:t>
             </a:r>
             <a:br>
               <a:rPr lang="fr" sz="1100"/>
@@ -12436,15 +12436,15 @@
             </a:pPr>
             <a:r>
               <a:rPr lang="fr" sz="1100"/>
-              <a:t>Elles valident que la colonne </a:t>
+              <a:t>Elle demande aux équipes métiers de leur valider la colonne </a:t>
             </a:r>
             <a:r>
               <a:rPr b="1" lang="fr" sz="1100"/>
-              <a:t>is_fraud</a:t>
+              <a:t>is_fraud </a:t>
             </a:r>
             <a:r>
               <a:rPr lang="fr" sz="1100"/>
-              <a:t> issue des prédictions est correcte</a:t>
+              <a:t>prédite sur la donnée qui a driftée (sous forme d’un csv)</a:t>
             </a:r>
             <a:br>
               <a:rPr lang="fr" sz="1100"/>
@@ -12500,49 +12500,19 @@
             </a:pPr>
             <a:r>
               <a:rPr lang="fr" sz="1100"/>
-              <a:t>À la fin du DAG, les </a:t>
-            </a:r>
-            <a:r>
-              <a:rPr b="1" lang="fr" sz="1100"/>
-              <a:t>prédictions du jour</a:t>
+              <a:t>Une fois le csv validé par les équipes métiers il est déposé sur le S3 pour permettre le </a:t>
             </a:r>
             <a:r>
               <a:rPr lang="fr" sz="1100"/>
-              <a:t> sont insérées dans</a:t>
+              <a:t>réentraînement</a:t>
+            </a:r>
+            <a:r>
+              <a:rPr lang="fr" sz="1100"/>
+              <a:t> du modèle.</a:t>
             </a:r>
             <a:br>
               <a:rPr lang="fr" sz="1100"/>
             </a:br>
-            <a:br>
-              <a:rPr lang="fr" sz="1100"/>
-            </a:br>
-            <a:r>
-              <a:rPr lang="fr" sz="1100"/>
-              <a:t> fraud_training_dataset</a:t>
-            </a:r>
-            <a:br>
-              <a:rPr lang="fr" sz="1100"/>
-            </a:br>
-            <a:endParaRPr sz="1100"/>
-          </a:p>
-          <a:p>
-            <a:pPr indent="-298450" lvl="1" marL="914400" rtl="0" algn="l">
-              <a:lnSpc>
-                <a:spcPct val="115000"/>
-              </a:lnSpc>
-              <a:spcBef>
-                <a:spcPts val="0"/>
-              </a:spcBef>
-              <a:spcAft>
-                <a:spcPts val="0"/>
-              </a:spcAft>
-              <a:buSzPts val="1100"/>
-              <a:buChar char="○"/>
-            </a:pPr>
-            <a:r>
-              <a:rPr lang="fr" sz="1100"/>
-              <a:t>Elles deviennent ainsi partie intégrante de la baseline du lendemain.</a:t>
-            </a:r>
             <a:br>
               <a:rPr lang="fr" sz="1100"/>
             </a:br>
@@ -12673,7 +12643,7 @@
             </a:pPr>
             <a:r>
               <a:rPr b="1" lang="fr" sz="2400"/>
-              <a:t>Ré-</a:t>
+              <a:t>Ré</a:t>
             </a:r>
             <a:r>
               <a:rPr b="1" lang="fr" sz="2400"/>
@@ -13029,8 +12999,8 @@
         </p:blipFill>
         <p:spPr>
           <a:xfrm>
-            <a:off x="152400" y="1060050"/>
-            <a:ext cx="8839202" cy="3273113"/>
+            <a:off x="152400" y="685500"/>
+            <a:ext cx="8575980" cy="4305600"/>
           </a:xfrm>
           <a:prstGeom prst="rect">
             <a:avLst/>
@@ -13314,12 +13284,7 @@
               <a:buNone/>
             </a:pPr>
             <a:r>
-              <a:rPr b="1" lang="fr" sz="1700"/>
-              <a:t>🔁</a:t>
-            </a:r>
-            <a:r>
-              <a:rPr b="1" lang="fr" sz="1400"/>
-              <a:t> Ré-entrainement automatique du modèle</a:t>
+              <a:t/>
             </a:r>
             <a:endParaRPr b="1" sz="1400"/>
           </a:p>
@@ -13488,7 +13453,15 @@
             </a:pPr>
             <a:r>
               <a:rPr lang="fr" sz="1100"/>
-              <a:t>Si tout est valide → exécution du script Python de réentraînement</a:t>
+              <a:t>Si tout est valide → exécution du script Python de réentraînement (avec récupération de la donnée </a:t>
+            </a:r>
+            <a:r>
+              <a:rPr lang="fr" sz="1100"/>
+              <a:t>d'entraînement</a:t>
+            </a:r>
+            <a:r>
+              <a:rPr lang="fr" sz="1100"/>
+              <a:t> validée par le métier -&gt; nouvelle données insérée dans la table d’entrainement)</a:t>
             </a:r>
             <a:br>
               <a:rPr lang="fr" sz="1100"/>
@@ -14751,7 +14724,7 @@
                   <a:schemeClr val="lt1"/>
                 </a:solidFill>
               </a:rPr>
-              <a:t>Surveillance continue du modèle via Evidently, permettant : la détection du data drift, l’envoi d’alertes, la constitution d’une baseline réactualisée.</a:t>
+              <a:t>Surveillance continue du modèle via Evidently, permettant : la détection du data drift, l’envoi d’alertes.</a:t>
             </a:r>
             <a:br>
               <a:rPr b="1" lang="fr" sz="1000">
@@ -14790,7 +14763,7 @@
                   <a:schemeClr val="lt1"/>
                 </a:solidFill>
               </a:rPr>
-              <a:t>Boucle de ré-entraînement automatisée : Airflow → Jenkins → ré-entraînement → déploiement d’un nouveau modèle champion.</a:t>
+              <a:t>DAG de ré-entraînement : Airflow → Jenkins → ré-entraînement → déploiement d’un nouveau modèle champion.</a:t>
             </a:r>
             <a:br>
               <a:rPr b="1" lang="fr" sz="1000">
@@ -14974,7 +14947,7 @@
         </p:nvSpPr>
         <p:spPr>
           <a:xfrm>
-            <a:off x="145925" y="1666825"/>
+            <a:off x="1085800" y="1699000"/>
             <a:ext cx="8521500" cy="1398600"/>
           </a:xfrm>
           <a:prstGeom prst="rect">
@@ -15936,7 +15909,7 @@
         </p:nvSpPr>
         <p:spPr>
           <a:xfrm>
-            <a:off x="1040275" y="1666825"/>
+            <a:off x="1078900" y="1673275"/>
             <a:ext cx="7115700" cy="1398600"/>
           </a:xfrm>
           <a:prstGeom prst="rect">
@@ -16407,7 +16380,7 @@
             </a:pPr>
             <a:r>
               <a:rPr b="1" lang="fr" sz="1700"/>
-              <a:t>Schéma d’architecture Global en production</a:t>
+              <a:t>Schéma d’architecture global en production</a:t>
             </a:r>
             <a:endParaRPr b="1" i="0" sz="1700" u="none" cap="none" strike="noStrike">
               <a:solidFill>
@@ -16910,7 +16883,7 @@
             </a:r>
             <a:r>
               <a:rPr b="1" lang="fr" sz="1100"/>
-              <a:t>loggé dans MLflow</a:t>
+              <a:t>enregistré dans MLflow</a:t>
             </a:r>
             <a:r>
               <a:rPr lang="fr" sz="1100"/>
@@ -17049,7 +17022,11 @@
             </a:r>
             <a:r>
               <a:rPr b="1" lang="fr" sz="1100"/>
-              <a:t>base de ré-entrainement</a:t>
+              <a:t>base de </a:t>
+            </a:r>
+            <a:r>
+              <a:rPr b="1" lang="fr" sz="1100"/>
+              <a:t>réentrainement</a:t>
             </a:r>
             <a:r>
               <a:rPr lang="fr" sz="1100"/>
@@ -17888,7 +17865,7 @@
             </a:r>
             <a:r>
               <a:rPr lang="fr" sz="1100"/>
-              <a:t> (Airflow) tourne 1 fois par jour :</a:t>
+              <a:t> (Airflow) s'exécute une fois par jour :</a:t>
             </a:r>
             <a:br>
               <a:rPr lang="fr" sz="1100"/>
@@ -18007,6 +17984,285 @@
 </file>
 
 <file path=ppt/theme/theme1.xml><?xml version="1.0" encoding="utf-8"?>
+<a:theme xmlns:a="http://schemas.openxmlformats.org/drawingml/2006/main" xmlns:r="http://schemas.openxmlformats.org/officeDocument/2006/relationships" name="Simple Light">
+  <a:themeElements>
+    <a:clrScheme name="Simple Light">
+      <a:dk1>
+        <a:srgbClr val="000000"/>
+      </a:dk1>
+      <a:lt1>
+        <a:srgbClr val="FFFFFF"/>
+      </a:lt1>
+      <a:dk2>
+        <a:srgbClr val="595959"/>
+      </a:dk2>
+      <a:lt2>
+        <a:srgbClr val="EEEEEE"/>
+      </a:lt2>
+      <a:accent1>
+        <a:srgbClr val="FFAB40"/>
+      </a:accent1>
+      <a:accent2>
+        <a:srgbClr val="212121"/>
+      </a:accent2>
+      <a:accent3>
+        <a:srgbClr val="78909C"/>
+      </a:accent3>
+      <a:accent4>
+        <a:srgbClr val="FFAB40"/>
+      </a:accent4>
+      <a:accent5>
+        <a:srgbClr val="0097A7"/>
+      </a:accent5>
+      <a:accent6>
+        <a:srgbClr val="EEFF41"/>
+      </a:accent6>
+      <a:hlink>
+        <a:srgbClr val="0097A7"/>
+      </a:hlink>
+      <a:folHlink>
+        <a:srgbClr val="0097A7"/>
+      </a:folHlink>
+    </a:clrScheme>
+    <a:fontScheme name="Office">
+      <a:majorFont>
+        <a:latin typeface="Arial"/>
+        <a:ea typeface=""/>
+        <a:cs typeface=""/>
+        <a:font script="Jpan" typeface="ＭＳ Ｐゴシック"/>
+        <a:font script="Hang" typeface="맑은 고딕"/>
+        <a:font script="Hans" typeface="宋体"/>
+        <a:font script="Hant" typeface="新細明體"/>
+        <a:font script="Arab" typeface="Times New Roman"/>
+        <a:font script="Hebr" typeface="Times New Roman"/>
+        <a:font script="Thai" typeface="Angsana New"/>
+        <a:font script="Ethi" typeface="Nyala"/>
+        <a:font script="Beng" typeface="Vrinda"/>
+        <a:font script="Gujr" typeface="Shruti"/>
+        <a:font script="Khmr" typeface="MoolBoran"/>
+        <a:font script="Knda" typeface="Tunga"/>
+        <a:font script="Guru" typeface="Raavi"/>
+        <a:font script="Cans" typeface="Euphemia"/>
+        <a:font script="Cher" typeface="Plantagenet Cherokee"/>
+        <a:font script="Yiii" typeface="Microsoft Yi Baiti"/>
+        <a:font script="Tibt" typeface="Microsoft Himalaya"/>
+        <a:font script="Thaa" typeface="MV Boli"/>
+        <a:font script="Deva" typeface="Mangal"/>
+        <a:font script="Telu" typeface="Gautami"/>
+        <a:font script="Taml" typeface="Latha"/>
+        <a:font script="Syrc" typeface="Estrangelo Edessa"/>
+        <a:font script="Orya" typeface="Kalinga"/>
+        <a:font script="Mlym" typeface="Kartika"/>
+        <a:font script="Laoo" typeface="DokChampa"/>
+        <a:font script="Sinh" typeface="Iskoola Pota"/>
+        <a:font script="Mong" typeface="Mongolian Baiti"/>
+        <a:font script="Viet" typeface="Times New Roman"/>
+        <a:font script="Uigh" typeface="Microsoft Uighur"/>
+        <a:font script="Geor" typeface="Sylfaen"/>
+      </a:majorFont>
+      <a:minorFont>
+        <a:latin typeface="Arial"/>
+        <a:ea typeface=""/>
+        <a:cs typeface=""/>
+        <a:font script="Jpan" typeface="ＭＳ Ｐゴシック"/>
+        <a:font script="Hang" typeface="맑은 고딕"/>
+        <a:font script="Hans" typeface="宋体"/>
+        <a:font script="Hant" typeface="新細明體"/>
+        <a:font script="Arab" typeface="Arial"/>
+        <a:font script="Hebr" typeface="Arial"/>
+        <a:font script="Thai" typeface="Cordia New"/>
+        <a:font script="Ethi" typeface="Nyala"/>
+        <a:font script="Beng" typeface="Vrinda"/>
+        <a:font script="Gujr" typeface="Shruti"/>
+        <a:font script="Khmr" typeface="DaunPenh"/>
+        <a:font script="Knda" typeface="Tunga"/>
+        <a:font script="Guru" typeface="Raavi"/>
+        <a:font script="Cans" typeface="Euphemia"/>
+        <a:font script="Cher" typeface="Plantagenet Cherokee"/>
+        <a:font script="Yiii" typeface="Microsoft Yi Baiti"/>
+        <a:font script="Tibt" typeface="Microsoft Himalaya"/>
+        <a:font script="Thaa" typeface="MV Boli"/>
+        <a:font script="Deva" typeface="Mangal"/>
+        <a:font script="Telu" typeface="Gautami"/>
+        <a:font script="Taml" typeface="Latha"/>
+        <a:font script="Syrc" typeface="Estrangelo Edessa"/>
+        <a:font script="Orya" typeface="Kalinga"/>
+        <a:font script="Mlym" typeface="Kartika"/>
+        <a:font script="Laoo" typeface="DokChampa"/>
+        <a:font script="Sinh" typeface="Iskoola Pota"/>
+        <a:font script="Mong" typeface="Mongolian Baiti"/>
+        <a:font script="Viet" typeface="Arial"/>
+        <a:font script="Uigh" typeface="Microsoft Uighur"/>
+        <a:font script="Geor" typeface="Sylfaen"/>
+      </a:minorFont>
+    </a:fontScheme>
+    <a:fmtScheme name="Office">
+      <a:fillStyleLst>
+        <a:solidFill>
+          <a:schemeClr val="phClr"/>
+        </a:solidFill>
+        <a:gradFill rotWithShape="1">
+          <a:gsLst>
+            <a:gs pos="0">
+              <a:schemeClr val="phClr">
+                <a:tint val="50000"/>
+                <a:satMod val="300000"/>
+              </a:schemeClr>
+            </a:gs>
+            <a:gs pos="35000">
+              <a:schemeClr val="phClr">
+                <a:tint val="37000"/>
+                <a:satMod val="300000"/>
+              </a:schemeClr>
+            </a:gs>
+            <a:gs pos="100000">
+              <a:schemeClr val="phClr">
+                <a:tint val="15000"/>
+                <a:satMod val="350000"/>
+              </a:schemeClr>
+            </a:gs>
+          </a:gsLst>
+          <a:lin ang="16200000" scaled="1"/>
+        </a:gradFill>
+        <a:gradFill rotWithShape="1">
+          <a:gsLst>
+            <a:gs pos="0">
+              <a:schemeClr val="phClr">
+                <a:tint val="100000"/>
+                <a:shade val="100000"/>
+                <a:satMod val="130000"/>
+              </a:schemeClr>
+            </a:gs>
+            <a:gs pos="100000">
+              <a:schemeClr val="phClr">
+                <a:tint val="50000"/>
+                <a:shade val="100000"/>
+                <a:satMod val="350000"/>
+              </a:schemeClr>
+            </a:gs>
+          </a:gsLst>
+          <a:lin ang="16200000" scaled="0"/>
+        </a:gradFill>
+      </a:fillStyleLst>
+      <a:lnStyleLst>
+        <a:ln w="9525" cap="flat" cmpd="sng" algn="ctr">
+          <a:solidFill>
+            <a:schemeClr val="phClr">
+              <a:shade val="95000"/>
+              <a:satMod val="105000"/>
+            </a:schemeClr>
+          </a:solidFill>
+          <a:prstDash val="solid"/>
+        </a:ln>
+        <a:ln w="25400" cap="flat" cmpd="sng" algn="ctr">
+          <a:solidFill>
+            <a:schemeClr val="phClr"/>
+          </a:solidFill>
+          <a:prstDash val="solid"/>
+        </a:ln>
+        <a:ln w="38100" cap="flat" cmpd="sng" algn="ctr">
+          <a:solidFill>
+            <a:schemeClr val="phClr"/>
+          </a:solidFill>
+          <a:prstDash val="solid"/>
+        </a:ln>
+      </a:lnStyleLst>
+      <a:effectStyleLst>
+        <a:effectStyle>
+          <a:effectLst>
+            <a:outerShdw blurRad="40000" dist="20000" dir="5400000" rotWithShape="0">
+              <a:srgbClr val="000000">
+                <a:alpha val="38000"/>
+              </a:srgbClr>
+            </a:outerShdw>
+          </a:effectLst>
+        </a:effectStyle>
+        <a:effectStyle>
+          <a:effectLst>
+            <a:outerShdw blurRad="40000" dist="23000" dir="5400000" rotWithShape="0">
+              <a:srgbClr val="000000">
+                <a:alpha val="35000"/>
+              </a:srgbClr>
+            </a:outerShdw>
+          </a:effectLst>
+        </a:effectStyle>
+        <a:effectStyle>
+          <a:effectLst>
+            <a:outerShdw blurRad="40000" dist="23000" dir="5400000" rotWithShape="0">
+              <a:srgbClr val="000000">
+                <a:alpha val="35000"/>
+              </a:srgbClr>
+            </a:outerShdw>
+          </a:effectLst>
+          <a:scene3d>
+            <a:camera prst="orthographicFront">
+              <a:rot lat="0" lon="0" rev="0"/>
+            </a:camera>
+            <a:lightRig rig="threePt" dir="t">
+              <a:rot lat="0" lon="0" rev="1200000"/>
+            </a:lightRig>
+          </a:scene3d>
+          <a:sp3d>
+            <a:bevelT w="63500" h="25400"/>
+          </a:sp3d>
+        </a:effectStyle>
+      </a:effectStyleLst>
+      <a:bgFillStyleLst>
+        <a:solidFill>
+          <a:schemeClr val="phClr"/>
+        </a:solidFill>
+        <a:gradFill rotWithShape="1">
+          <a:gsLst>
+            <a:gs pos="0">
+              <a:schemeClr val="phClr">
+                <a:tint val="40000"/>
+                <a:satMod val="350000"/>
+              </a:schemeClr>
+            </a:gs>
+            <a:gs pos="40000">
+              <a:schemeClr val="phClr">
+                <a:tint val="45000"/>
+                <a:shade val="99000"/>
+                <a:satMod val="350000"/>
+              </a:schemeClr>
+            </a:gs>
+            <a:gs pos="100000">
+              <a:schemeClr val="phClr">
+                <a:shade val="20000"/>
+                <a:satMod val="255000"/>
+              </a:schemeClr>
+            </a:gs>
+          </a:gsLst>
+          <a:path path="circle">
+            <a:fillToRect l="50000" t="-80000" r="50000" b="180000"/>
+          </a:path>
+        </a:gradFill>
+        <a:gradFill rotWithShape="1">
+          <a:gsLst>
+            <a:gs pos="0">
+              <a:schemeClr val="phClr">
+                <a:tint val="80000"/>
+                <a:satMod val="300000"/>
+              </a:schemeClr>
+            </a:gs>
+            <a:gs pos="100000">
+              <a:schemeClr val="phClr">
+                <a:shade val="30000"/>
+                <a:satMod val="200000"/>
+              </a:schemeClr>
+            </a:gs>
+          </a:gsLst>
+          <a:path path="circle">
+            <a:fillToRect l="50000" t="50000" r="50000" b="50000"/>
+          </a:path>
+        </a:gradFill>
+      </a:bgFillStyleLst>
+    </a:fmtScheme>
+  </a:themeElements>
+</a:theme>
+</file>
+
+<file path=ppt/theme/theme2.xml><?xml version="1.0" encoding="utf-8"?>
 <a:theme xmlns:a="http://schemas.openxmlformats.org/drawingml/2006/main" xmlns:r="http://schemas.openxmlformats.org/officeDocument/2006/relationships">
   <a:themeElements>
     <a:clrScheme name="Default">
@@ -18283,283 +18539,4 @@
     </a:fmtScheme>
   </a:themeElements>
 </a:theme>
-</file>
-
-<file path=ppt/theme/theme2.xml><?xml version="1.0" encoding="utf-8"?>
-<a:theme xmlns:a="http://schemas.openxmlformats.org/drawingml/2006/main" xmlns:r="http://schemas.openxmlformats.org/officeDocument/2006/relationships" name="Simple Light">
-  <a:themeElements>
-    <a:clrScheme name="Simple Light">
-      <a:dk1>
-        <a:srgbClr val="000000"/>
-      </a:dk1>
-      <a:lt1>
-        <a:srgbClr val="FFFFFF"/>
-      </a:lt1>
-      <a:dk2>
-        <a:srgbClr val="595959"/>
-      </a:dk2>
-      <a:lt2>
-        <a:srgbClr val="EEEEEE"/>
-      </a:lt2>
-      <a:accent1>
-        <a:srgbClr val="FFAB40"/>
-      </a:accent1>
-      <a:accent2>
-        <a:srgbClr val="212121"/>
-      </a:accent2>
-      <a:accent3>
-        <a:srgbClr val="78909C"/>
-      </a:accent3>
-      <a:accent4>
-        <a:srgbClr val="FFAB40"/>
-      </a:accent4>
-      <a:accent5>
-        <a:srgbClr val="0097A7"/>
-      </a:accent5>
-      <a:accent6>
-        <a:srgbClr val="EEFF41"/>
-      </a:accent6>
-      <a:hlink>
-        <a:srgbClr val="0097A7"/>
-      </a:hlink>
-      <a:folHlink>
-        <a:srgbClr val="0097A7"/>
-      </a:folHlink>
-    </a:clrScheme>
-    <a:fontScheme name="Office">
-      <a:majorFont>
-        <a:latin typeface="Arial"/>
-        <a:ea typeface=""/>
-        <a:cs typeface=""/>
-        <a:font script="Jpan" typeface="ＭＳ Ｐゴシック"/>
-        <a:font script="Hang" typeface="맑은 고딕"/>
-        <a:font script="Hans" typeface="宋体"/>
-        <a:font script="Hant" typeface="新細明體"/>
-        <a:font script="Arab" typeface="Times New Roman"/>
-        <a:font script="Hebr" typeface="Times New Roman"/>
-        <a:font script="Thai" typeface="Angsana New"/>
-        <a:font script="Ethi" typeface="Nyala"/>
-        <a:font script="Beng" typeface="Vrinda"/>
-        <a:font script="Gujr" typeface="Shruti"/>
-        <a:font script="Khmr" typeface="MoolBoran"/>
-        <a:font script="Knda" typeface="Tunga"/>
-        <a:font script="Guru" typeface="Raavi"/>
-        <a:font script="Cans" typeface="Euphemia"/>
-        <a:font script="Cher" typeface="Plantagenet Cherokee"/>
-        <a:font script="Yiii" typeface="Microsoft Yi Baiti"/>
-        <a:font script="Tibt" typeface="Microsoft Himalaya"/>
-        <a:font script="Thaa" typeface="MV Boli"/>
-        <a:font script="Deva" typeface="Mangal"/>
-        <a:font script="Telu" typeface="Gautami"/>
-        <a:font script="Taml" typeface="Latha"/>
-        <a:font script="Syrc" typeface="Estrangelo Edessa"/>
-        <a:font script="Orya" typeface="Kalinga"/>
-        <a:font script="Mlym" typeface="Kartika"/>
-        <a:font script="Laoo" typeface="DokChampa"/>
-        <a:font script="Sinh" typeface="Iskoola Pota"/>
-        <a:font script="Mong" typeface="Mongolian Baiti"/>
-        <a:font script="Viet" typeface="Times New Roman"/>
-        <a:font script="Uigh" typeface="Microsoft Uighur"/>
-        <a:font script="Geor" typeface="Sylfaen"/>
-      </a:majorFont>
-      <a:minorFont>
-        <a:latin typeface="Arial"/>
-        <a:ea typeface=""/>
-        <a:cs typeface=""/>
-        <a:font script="Jpan" typeface="ＭＳ Ｐゴシック"/>
-        <a:font script="Hang" typeface="맑은 고딕"/>
-        <a:font script="Hans" typeface="宋体"/>
-        <a:font script="Hant" typeface="新細明體"/>
-        <a:font script="Arab" typeface="Arial"/>
-        <a:font script="Hebr" typeface="Arial"/>
-        <a:font script="Thai" typeface="Cordia New"/>
-        <a:font script="Ethi" typeface="Nyala"/>
-        <a:font script="Beng" typeface="Vrinda"/>
-        <a:font script="Gujr" typeface="Shruti"/>
-        <a:font script="Khmr" typeface="DaunPenh"/>
-        <a:font script="Knda" typeface="Tunga"/>
-        <a:font script="Guru" typeface="Raavi"/>
-        <a:font script="Cans" typeface="Euphemia"/>
-        <a:font script="Cher" typeface="Plantagenet Cherokee"/>
-        <a:font script="Yiii" typeface="Microsoft Yi Baiti"/>
-        <a:font script="Tibt" typeface="Microsoft Himalaya"/>
-        <a:font script="Thaa" typeface="MV Boli"/>
-        <a:font script="Deva" typeface="Mangal"/>
-        <a:font script="Telu" typeface="Gautami"/>
-        <a:font script="Taml" typeface="Latha"/>
-        <a:font script="Syrc" typeface="Estrangelo Edessa"/>
-        <a:font script="Orya" typeface="Kalinga"/>
-        <a:font script="Mlym" typeface="Kartika"/>
-        <a:font script="Laoo" typeface="DokChampa"/>
-        <a:font script="Sinh" typeface="Iskoola Pota"/>
-        <a:font script="Mong" typeface="Mongolian Baiti"/>
-        <a:font script="Viet" typeface="Arial"/>
-        <a:font script="Uigh" typeface="Microsoft Uighur"/>
-        <a:font script="Geor" typeface="Sylfaen"/>
-      </a:minorFont>
-    </a:fontScheme>
-    <a:fmtScheme name="Office">
-      <a:fillStyleLst>
-        <a:solidFill>
-          <a:schemeClr val="phClr"/>
-        </a:solidFill>
-        <a:gradFill rotWithShape="1">
-          <a:gsLst>
-            <a:gs pos="0">
-              <a:schemeClr val="phClr">
-                <a:tint val="50000"/>
-                <a:satMod val="300000"/>
-              </a:schemeClr>
-            </a:gs>
-            <a:gs pos="35000">
-              <a:schemeClr val="phClr">
-                <a:tint val="37000"/>
-                <a:satMod val="300000"/>
-              </a:schemeClr>
-            </a:gs>
-            <a:gs pos="100000">
-              <a:schemeClr val="phClr">
-                <a:tint val="15000"/>
-                <a:satMod val="350000"/>
-              </a:schemeClr>
-            </a:gs>
-          </a:gsLst>
-          <a:lin ang="16200000" scaled="1"/>
-        </a:gradFill>
-        <a:gradFill rotWithShape="1">
-          <a:gsLst>
-            <a:gs pos="0">
-              <a:schemeClr val="phClr">
-                <a:tint val="100000"/>
-                <a:shade val="100000"/>
-                <a:satMod val="130000"/>
-              </a:schemeClr>
-            </a:gs>
-            <a:gs pos="100000">
-              <a:schemeClr val="phClr">
-                <a:tint val="50000"/>
-                <a:shade val="100000"/>
-                <a:satMod val="350000"/>
-              </a:schemeClr>
-            </a:gs>
-          </a:gsLst>
-          <a:lin ang="16200000" scaled="0"/>
-        </a:gradFill>
-      </a:fillStyleLst>
-      <a:lnStyleLst>
-        <a:ln w="9525" cap="flat" cmpd="sng" algn="ctr">
-          <a:solidFill>
-            <a:schemeClr val="phClr">
-              <a:shade val="95000"/>
-              <a:satMod val="105000"/>
-            </a:schemeClr>
-          </a:solidFill>
-          <a:prstDash val="solid"/>
-        </a:ln>
-        <a:ln w="25400" cap="flat" cmpd="sng" algn="ctr">
-          <a:solidFill>
-            <a:schemeClr val="phClr"/>
-          </a:solidFill>
-          <a:prstDash val="solid"/>
-        </a:ln>
-        <a:ln w="38100" cap="flat" cmpd="sng" algn="ctr">
-          <a:solidFill>
-            <a:schemeClr val="phClr"/>
-          </a:solidFill>
-          <a:prstDash val="solid"/>
-        </a:ln>
-      </a:lnStyleLst>
-      <a:effectStyleLst>
-        <a:effectStyle>
-          <a:effectLst>
-            <a:outerShdw blurRad="40000" dist="20000" dir="5400000" rotWithShape="0">
-              <a:srgbClr val="000000">
-                <a:alpha val="38000"/>
-              </a:srgbClr>
-            </a:outerShdw>
-          </a:effectLst>
-        </a:effectStyle>
-        <a:effectStyle>
-          <a:effectLst>
-            <a:outerShdw blurRad="40000" dist="23000" dir="5400000" rotWithShape="0">
-              <a:srgbClr val="000000">
-                <a:alpha val="35000"/>
-              </a:srgbClr>
-            </a:outerShdw>
-          </a:effectLst>
-        </a:effectStyle>
-        <a:effectStyle>
-          <a:effectLst>
-            <a:outerShdw blurRad="40000" dist="23000" dir="5400000" rotWithShape="0">
-              <a:srgbClr val="000000">
-                <a:alpha val="35000"/>
-              </a:srgbClr>
-            </a:outerShdw>
-          </a:effectLst>
-          <a:scene3d>
-            <a:camera prst="orthographicFront">
-              <a:rot lat="0" lon="0" rev="0"/>
-            </a:camera>
-            <a:lightRig rig="threePt" dir="t">
-              <a:rot lat="0" lon="0" rev="1200000"/>
-            </a:lightRig>
-          </a:scene3d>
-          <a:sp3d>
-            <a:bevelT w="63500" h="25400"/>
-          </a:sp3d>
-        </a:effectStyle>
-      </a:effectStyleLst>
-      <a:bgFillStyleLst>
-        <a:solidFill>
-          <a:schemeClr val="phClr"/>
-        </a:solidFill>
-        <a:gradFill rotWithShape="1">
-          <a:gsLst>
-            <a:gs pos="0">
-              <a:schemeClr val="phClr">
-                <a:tint val="40000"/>
-                <a:satMod val="350000"/>
-              </a:schemeClr>
-            </a:gs>
-            <a:gs pos="40000">
-              <a:schemeClr val="phClr">
-                <a:tint val="45000"/>
-                <a:shade val="99000"/>
-                <a:satMod val="350000"/>
-              </a:schemeClr>
-            </a:gs>
-            <a:gs pos="100000">
-              <a:schemeClr val="phClr">
-                <a:shade val="20000"/>
-                <a:satMod val="255000"/>
-              </a:schemeClr>
-            </a:gs>
-          </a:gsLst>
-          <a:path path="circle">
-            <a:fillToRect l="50000" t="-80000" r="50000" b="180000"/>
-          </a:path>
-        </a:gradFill>
-        <a:gradFill rotWithShape="1">
-          <a:gsLst>
-            <a:gs pos="0">
-              <a:schemeClr val="phClr">
-                <a:tint val="80000"/>
-                <a:satMod val="300000"/>
-              </a:schemeClr>
-            </a:gs>
-            <a:gs pos="100000">
-              <a:schemeClr val="phClr">
-                <a:shade val="30000"/>
-                <a:satMod val="200000"/>
-              </a:schemeClr>
-            </a:gs>
-          </a:gsLst>
-          <a:path path="circle">
-            <a:fillToRect l="50000" t="50000" r="50000" b="50000"/>
-          </a:path>
-        </a:gradFill>
-      </a:bgFillStyleLst>
-    </a:fmtScheme>
-  </a:themeElements>
-</a:theme>
 </file>
--- a/LDS_Block_3_Lead.pptx
+++ b/LDS_Block_3_Lead.pptx
@@ -278,7 +278,7 @@
   </p:defaultTextStyle>
   <p:extLst>
     <p:ext uri="GoogleSlidesCustomDataVersion2">
-      <go:slidesCustomData xmlns:go="http://customooxmlschemas.google.com/" r:id="rId33" roundtripDataSignature="AMtx7mgusiSgqBa9PbuG3GODqATFexxIbw=="/>
+      <go:slidesCustomData xmlns:go="http://customooxmlschemas.google.com/" r:id="rId33" roundtripDataSignature="AMtx7mgULrVs0r2NZ8erQb5VnRJ6sbO1zw=="/>
     </p:ext>
   </p:extLst>
 </p:presentation>
@@ -11489,7 +11489,7 @@
         <p:spPr>
           <a:xfrm>
             <a:off x="152400" y="685500"/>
-            <a:ext cx="8395920" cy="4305600"/>
+            <a:ext cx="8583600" cy="4305600"/>
           </a:xfrm>
           <a:prstGeom prst="rect">
             <a:avLst/>
@@ -11769,6 +11769,24 @@
               <a:buNone/>
             </a:pPr>
             <a:r>
+              <a:t/>
+            </a:r>
+            <a:endParaRPr b="1" sz="1700"/>
+          </a:p>
+          <a:p>
+            <a:pPr indent="0" lvl="0" marL="0" rtl="0" algn="l">
+              <a:lnSpc>
+                <a:spcPct val="115000"/>
+              </a:lnSpc>
+              <a:spcBef>
+                <a:spcPts val="1800"/>
+              </a:spcBef>
+              <a:spcAft>
+                <a:spcPts val="0"/>
+              </a:spcAft>
+              <a:buNone/>
+            </a:pPr>
+            <a:r>
               <a:rPr b="1" lang="fr" sz="1700"/>
               <a:t>🔍 Détection quotidienne du drift de la donnée</a:t>
             </a:r>
@@ -11872,7 +11890,7 @@
             </a:br>
             <a:r>
               <a:rPr lang="fr" sz="1100"/>
-              <a:t> → + la donnée ajoutée quotidiennement (predictions J–1 pour avoir la journée complète)</a:t>
+              <a:t> → + la donnée issues des prédictions j-1 (pour avoir la journée complète)</a:t>
             </a:r>
             <a:br>
               <a:rPr lang="fr" sz="1100"/>
@@ -11980,11 +11998,7 @@
             </a:r>
             <a:r>
               <a:rPr b="1" lang="fr" sz="1100"/>
-              <a:t>transactions prédites de la veille</a:t>
-            </a:r>
-            <a:r>
-              <a:rPr lang="fr" sz="1100"/>
-              <a:t> (fraud_realtime_predictions)</a:t>
+              <a:t>transactions prédites à j-1</a:t>
             </a:r>
             <a:br>
               <a:rPr lang="fr" sz="1100"/>
@@ -12290,6 +12304,24 @@
           </a:bodyPr>
           <a:lstStyle/>
           <a:p>
+            <a:pPr indent="0" lvl="0" marL="457200" rtl="0" algn="l">
+              <a:lnSpc>
+                <a:spcPct val="115000"/>
+              </a:lnSpc>
+              <a:spcBef>
+                <a:spcPts val="1200"/>
+              </a:spcBef>
+              <a:spcAft>
+                <a:spcPts val="0"/>
+              </a:spcAft>
+              <a:buNone/>
+            </a:pPr>
+            <a:r>
+              <a:t/>
+            </a:r>
+            <a:endParaRPr sz="1100"/>
+          </a:p>
+          <a:p>
             <a:pPr indent="-298450" lvl="0" marL="457200" rtl="0" algn="l">
               <a:lnSpc>
                 <a:spcPct val="115000"/>
@@ -12436,7 +12468,7 @@
             </a:pPr>
             <a:r>
               <a:rPr lang="fr" sz="1100"/>
-              <a:t>Elle demande aux équipes métiers de leur valider la colonne </a:t>
+              <a:t>Elle demande aux équipes métiers de valider la colonne </a:t>
             </a:r>
             <a:r>
               <a:rPr b="1" lang="fr" sz="1100"/>
@@ -12454,7 +12486,7 @@
             </a:br>
             <a:r>
               <a:rPr lang="fr" sz="1100"/>
-              <a:t> (pour éviter de réentraîner le modèle sur ses propres erreurs)</a:t>
+              <a:t> but : éviter de réentraîner le modèle sur ses propres erreurs</a:t>
             </a:r>
             <a:br>
               <a:rPr lang="fr" sz="1100"/>
@@ -13000,7 +13032,7 @@
         <p:spPr>
           <a:xfrm>
             <a:off x="152400" y="685500"/>
-            <a:ext cx="8575980" cy="4305600"/>
+            <a:ext cx="8839198" cy="4278454"/>
           </a:xfrm>
           <a:prstGeom prst="rect">
             <a:avLst/>
@@ -13082,7 +13114,7 @@
             </a:pPr>
             <a:r>
               <a:rPr b="1" lang="fr" sz="1700"/>
-              <a:t>Ré-</a:t>
+              <a:t>Ré</a:t>
             </a:r>
             <a:r>
               <a:rPr b="1" lang="fr" sz="1700"/>
@@ -13453,15 +13485,7 @@
             </a:pPr>
             <a:r>
               <a:rPr lang="fr" sz="1100"/>
-              <a:t>Si tout est valide → exécution du script Python de réentraînement (avec récupération de la donnée </a:t>
-            </a:r>
-            <a:r>
-              <a:rPr lang="fr" sz="1100"/>
-              <a:t>d'entraînement</a:t>
-            </a:r>
-            <a:r>
-              <a:rPr lang="fr" sz="1100"/>
-              <a:t> validée par le métier -&gt; nouvelle données insérée dans la table d’entrainement)</a:t>
+              <a:t>Si tout est valide → exécution du script Python de réentraînement (avec récupération de la donnée validée par le métier -&gt; nouvelles données ajoutées dans la table d’entrainement)</a:t>
             </a:r>
             <a:br>
               <a:rPr lang="fr" sz="1100"/>
@@ -14419,7 +14443,7 @@
       </p:pic>
       <p:pic>
         <p:nvPicPr>
-          <p:cNvPr id="172" name="Google Shape;172;g3a1fa3a7511_0_52" title="demo_auto_fraud.mov">
+          <p:cNvPr id="172" name="Google Shape;172;g3a1fa3a7511_0_52" title="demo_auto_fraud_detection.mov">
             <a:hlinkClick r:id="rId4"/>
           </p:cNvPr>
           <p:cNvPicPr preferRelativeResize="0"/>
@@ -14435,8 +14459,8 @@
         </p:blipFill>
         <p:spPr>
           <a:xfrm>
-            <a:off x="2286000" y="857250"/>
-            <a:ext cx="4572000" cy="3429000"/>
+            <a:off x="0" y="533100"/>
+            <a:ext cx="9143999" cy="4602600"/>
           </a:xfrm>
           <a:prstGeom prst="rect">
             <a:avLst/>
@@ -14644,7 +14668,7 @@
                   <a:schemeClr val="lt1"/>
                 </a:solidFill>
               </a:rPr>
-              <a:t>Détection en temps réel grâce à une API FastAPI, alimentée par un modèle ML hébergé et versionné dans MLflow (champion tagging).</a:t>
+              <a:t>Détection en temps réel grâce à une API FastAPI qui appel un modèle ML hébergé et versionné dans MLflow (tag champion).</a:t>
             </a:r>
             <a:endParaRPr b="1" sz="1000">
               <a:solidFill>
@@ -14676,7 +14700,7 @@
                   <a:schemeClr val="lt1"/>
                 </a:solidFill>
               </a:rPr>
-              <a:t>Orchestration avec Airflow, pilotant : les prédictions quotidiennes, l’envoi d’alertes métiers, la génération automatique des rapports, le ré-</a:t>
+              <a:t>Orchestration avec Airflow, pilotant : les prédictions quotidiennes, l’envoi d’alertes métiers, la génération automatique des rapports, le ré</a:t>
             </a:r>
             <a:r>
               <a:rPr b="1" lang="fr" sz="1000">
@@ -14724,7 +14748,7 @@
                   <a:schemeClr val="lt1"/>
                 </a:solidFill>
               </a:rPr>
-              <a:t>Surveillance continue du modèle via Evidently, permettant : la détection du data drift, l’envoi d’alertes.</a:t>
+              <a:t>Surveillance continue du modèle via Evidently permettant : la détection du data drift, génération de rapports de drift.</a:t>
             </a:r>
             <a:br>
               <a:rPr b="1" lang="fr" sz="1000">
@@ -14763,7 +14787,7 @@
                   <a:schemeClr val="lt1"/>
                 </a:solidFill>
               </a:rPr>
-              <a:t>DAG de ré-entraînement : Airflow → Jenkins → ré-entraînement → déploiement d’un nouveau modèle champion.</a:t>
+              <a:t>DAG de réentraînement : Airflow → Jenkins → réentraînement → enregistrement d’un nouveau modèle champion.</a:t>
             </a:r>
             <a:br>
               <a:rPr b="1" lang="fr" sz="1000">
@@ -14802,7 +14826,7 @@
                   <a:schemeClr val="lt1"/>
                 </a:solidFill>
               </a:rPr>
-              <a:t>Architecture complète, modulaire et industrialisable, combinant : APIs (paiements + prédiction), NeonDB pour le stockage applicatif, S3 pour la baseline &amp; les rapports, Dashboard Streamlit pour l’usage métier.</a:t>
+              <a:t>Architecture complète, modulaire et industrialisable, combinant : APIs (récupération des transcations + prédiction), NeonDB pour le stockage applicatif, S3 pour la baseline &amp; les rapports, Dashboard Streamlit pour l’usage métier.</a:t>
             </a:r>
             <a:br>
               <a:rPr b="1" lang="fr" sz="1000">
@@ -15804,7 +15828,7 @@
             </a:pPr>
             <a:r>
               <a:rPr b="1" lang="fr" sz="1100"/>
-              <a:t>Ré-entraîner automatiquement</a:t>
+              <a:t>Ré-entraîner</a:t>
             </a:r>
             <a:r>
               <a:rPr lang="fr" sz="1100"/>
@@ -16297,8 +16321,8 @@
         </p:blipFill>
         <p:spPr>
           <a:xfrm>
-            <a:off x="1271625" y="629100"/>
-            <a:ext cx="6590689" cy="4514399"/>
+            <a:off x="1517150" y="672625"/>
+            <a:ext cx="5993273" cy="4305600"/>
           </a:xfrm>
           <a:prstGeom prst="rect">
             <a:avLst/>
@@ -16608,8 +16632,8 @@
         </p:blipFill>
         <p:spPr>
           <a:xfrm>
-            <a:off x="535013" y="663550"/>
-            <a:ext cx="8073973" cy="4305600"/>
+            <a:off x="686925" y="724100"/>
+            <a:ext cx="7858101" cy="4305600"/>
           </a:xfrm>
           <a:prstGeom prst="rect">
             <a:avLst/>
@@ -16819,6 +16843,24 @@
               <a:buNone/>
             </a:pPr>
             <a:r>
+              <a:t/>
+            </a:r>
+            <a:endParaRPr b="1" sz="1300"/>
+          </a:p>
+          <a:p>
+            <a:pPr indent="0" lvl="0" marL="0" rtl="0" algn="l">
+              <a:lnSpc>
+                <a:spcPct val="115000"/>
+              </a:lnSpc>
+              <a:spcBef>
+                <a:spcPts val="1400"/>
+              </a:spcBef>
+              <a:spcAft>
+                <a:spcPts val="0"/>
+              </a:spcAft>
+              <a:buNone/>
+            </a:pPr>
+            <a:r>
               <a:rPr b="1" lang="fr" sz="1300"/>
               <a:t>🧪 Étape 1 – Développement du modèle de ML</a:t>
             </a:r>
@@ -16856,7 +16898,7 @@
             </a:r>
             <a:r>
               <a:rPr lang="fr" sz="1100"/>
-              <a:t> (features, tuning, évaluation).</a:t>
+              <a:t> (EDA, preprocessing, features, tuning, évaluation).</a:t>
             </a:r>
             <a:br>
               <a:rPr lang="fr" sz="1100"/>
@@ -17022,11 +17064,11 @@
             </a:r>
             <a:r>
               <a:rPr b="1" lang="fr" sz="1100"/>
-              <a:t>base de </a:t>
+              <a:t>base pour le </a:t>
             </a:r>
             <a:r>
               <a:rPr b="1" lang="fr" sz="1100"/>
-              <a:t>réentrainement</a:t>
+              <a:t>réentraînement</a:t>
             </a:r>
             <a:r>
               <a:rPr lang="fr" sz="1100"/>
@@ -17315,6 +17357,29 @@
               <a:buNone/>
             </a:pPr>
             <a:r>
+              <a:t/>
+            </a:r>
+            <a:endParaRPr b="1" sz="1300"/>
+          </a:p>
+          <a:p>
+            <a:pPr indent="0" lvl="0" marL="0" rtl="0" algn="l">
+              <a:lnSpc>
+                <a:spcPct val="115000"/>
+              </a:lnSpc>
+              <a:spcBef>
+                <a:spcPts val="1400"/>
+              </a:spcBef>
+              <a:spcAft>
+                <a:spcPts val="0"/>
+              </a:spcAft>
+              <a:buClr>
+                <a:schemeClr val="dk1"/>
+              </a:buClr>
+              <a:buSzPts val="1100"/>
+              <a:buFont typeface="Arial"/>
+              <a:buNone/>
+            </a:pPr>
+            <a:r>
               <a:rPr b="1" lang="fr" sz="1300"/>
               <a:t>⚙️ Étape 2 – Mise en production &amp; scoring temps réel</a:t>
             </a:r>
@@ -17340,7 +17405,7 @@
             </a:r>
             <a:r>
               <a:rPr lang="fr" sz="1100"/>
-              <a:t> orchestre un DAG fraud_realtime_predict :</a:t>
+              <a:t> exécute un DAG fraud_realtime_predict à intervalle régulier:</a:t>
             </a:r>
             <a:br>
               <a:rPr lang="fr" sz="1100"/>
@@ -17382,10 +17447,7 @@
             <a:endParaRPr sz="1100"/>
           </a:p>
           <a:p>
-            <a:pPr indent="-298450" lvl="2" marL="1371600" marR="0" rtl="0" algn="l">
-              <a:lnSpc>
-                <a:spcPct val="200000"/>
-              </a:lnSpc>
+            <a:pPr indent="-298450" lvl="2" marL="1371600" rtl="0" algn="l">
               <a:spcBef>
                 <a:spcPts val="0"/>
               </a:spcBef>
@@ -17397,7 +17459,7 @@
             </a:pPr>
             <a:r>
               <a:rPr lang="fr" sz="1100"/>
-              <a:t>Charge le modèle champion depuis MLflow</a:t>
+              <a:t>Appel l’API de paiements pour récupérer les transactions </a:t>
             </a:r>
             <a:endParaRPr sz="1100"/>
           </a:p>
@@ -17417,11 +17479,8 @@
             </a:pPr>
             <a:r>
               <a:rPr lang="fr" sz="1100"/>
-              <a:t>Appel de l’API de paiements pour récupérer les transactions (via un appel sur le même réseau Docker)</a:t>
-            </a:r>
-            <a:br>
-              <a:rPr lang="fr" sz="1100"/>
-            </a:br>
+              <a:t>Charge le modèle champion depuis MLflow</a:t>
+            </a:r>
             <a:endParaRPr b="1" sz="1100"/>
           </a:p>
           <a:p>
@@ -17446,9 +17505,6 @@
               <a:rPr b="1" lang="fr" sz="1100"/>
               <a:t>probabilité de fraude</a:t>
             </a:r>
-            <a:br>
-              <a:rPr b="1" lang="fr" sz="1100"/>
-            </a:br>
             <a:endParaRPr b="1" sz="1100"/>
           </a:p>
           <a:p>
@@ -17836,6 +17892,24 @@
               <a:buNone/>
             </a:pPr>
             <a:r>
+              <a:t/>
+            </a:r>
+            <a:endParaRPr b="1" sz="1300"/>
+          </a:p>
+          <a:p>
+            <a:pPr indent="0" lvl="0" marL="0" rtl="0" algn="l">
+              <a:lnSpc>
+                <a:spcPct val="115000"/>
+              </a:lnSpc>
+              <a:spcBef>
+                <a:spcPts val="1400"/>
+              </a:spcBef>
+              <a:spcAft>
+                <a:spcPts val="0"/>
+              </a:spcAft>
+              <a:buNone/>
+            </a:pPr>
+            <a:r>
               <a:rPr b="1" lang="fr" sz="1300"/>
               <a:t>📊 Reporting quotidien</a:t>
             </a:r>
@@ -17865,7 +17939,7 @@
             </a:r>
             <a:r>
               <a:rPr lang="fr" sz="1100"/>
-              <a:t> (Airflow) s'exécute une fois par jour :</a:t>
+              <a:t> s'exécute une fois par jour :</a:t>
             </a:r>
             <a:br>
               <a:rPr lang="fr" sz="1100"/>

--- a/LDS_Block_3_Lead.pptx
+++ b/LDS_Block_3_Lead.pptx
@@ -278,7 +278,7 @@
   </p:defaultTextStyle>
   <p:extLst>
     <p:ext uri="GoogleSlidesCustomDataVersion2">
-      <go:slidesCustomData xmlns:go="http://customooxmlschemas.google.com/" r:id="rId33" roundtripDataSignature="AMtx7mgULrVs0r2NZ8erQb5VnRJ6sbO1zw=="/>
+      <go:slidesCustomData xmlns:go="http://customooxmlschemas.google.com/" r:id="rId33" roundtripDataSignature="AMtx7miZhC2I8qm3vl3s5IERUxxP+W9LEw=="/>
     </p:ext>
   </p:extLst>
 </p:presentation>
@@ -11489,7 +11489,7 @@
         <p:spPr>
           <a:xfrm>
             <a:off x="152400" y="685500"/>
-            <a:ext cx="8583600" cy="4305600"/>
+            <a:ext cx="8366974" cy="4305600"/>
           </a:xfrm>
           <a:prstGeom prst="rect">
             <a:avLst/>
@@ -12422,7 +12422,7 @@
             </a:pPr>
             <a:r>
               <a:rPr b="1" lang="fr" sz="1100"/>
-              <a:t>Validation métier avant ré-entraînement :</a:t>
+              <a:t>Validation métier avant réentraînement :</a:t>
             </a:r>
             <a:br>
               <a:rPr b="1" lang="fr" sz="1100"/>
@@ -14787,7 +14787,7 @@
                   <a:schemeClr val="lt1"/>
                 </a:solidFill>
               </a:rPr>
-              <a:t>DAG de réentraînement : Airflow → Jenkins → réentraînement → enregistrement d’un nouveau modèle champion.</a:t>
+              <a:t>DAG de réentraînement : Airflow → Jenkins → réentraînement → enregistrement d’un nouveau modèle champion dans MLflow.</a:t>
             </a:r>
             <a:br>
               <a:rPr b="1" lang="fr" sz="1000">
@@ -14826,7 +14826,7 @@
                   <a:schemeClr val="lt1"/>
                 </a:solidFill>
               </a:rPr>
-              <a:t>Architecture complète, modulaire et industrialisable, combinant : APIs (récupération des transcations + prédiction), NeonDB pour le stockage applicatif, S3 pour la baseline &amp; les rapports, Dashboard Streamlit pour l’usage métier.</a:t>
+              <a:t>Architecture complète, modulaire et industrialisable, combinant : APIs (récupération des transactions + prédiction), NeonDB pour le stockage applicatif, S3 pour la baseline &amp; les rapports, Dashboard Streamlit pour l’usage métier.</a:t>
             </a:r>
             <a:br>
               <a:rPr b="1" lang="fr" sz="1000">
@@ -16632,8 +16632,8 @@
         </p:blipFill>
         <p:spPr>
           <a:xfrm>
-            <a:off x="686925" y="724100"/>
-            <a:ext cx="7858101" cy="4305600"/>
+            <a:off x="499975" y="685500"/>
+            <a:ext cx="8030409" cy="4305600"/>
           </a:xfrm>
           <a:prstGeom prst="rect">
             <a:avLst/>
@@ -17993,7 +17993,7 @@
             </a:r>
             <a:r>
               <a:rPr lang="fr" sz="1100"/>
-              <a:t>, incluant la présence de fraudes</a:t>
+              <a:t>, incluant la présence de fraude</a:t>
             </a:r>
             <a:br>
               <a:rPr lang="fr" sz="1100"/>
@@ -18058,6 +18058,285 @@
 </file>
 
 <file path=ppt/theme/theme1.xml><?xml version="1.0" encoding="utf-8"?>
+<a:theme xmlns:a="http://schemas.openxmlformats.org/drawingml/2006/main" xmlns:r="http://schemas.openxmlformats.org/officeDocument/2006/relationships">
+  <a:themeElements>
+    <a:clrScheme name="Default">
+      <a:dk1>
+        <a:srgbClr val="000000"/>
+      </a:dk1>
+      <a:lt1>
+        <a:srgbClr val="FFFFFF"/>
+      </a:lt1>
+      <a:dk2>
+        <a:srgbClr val="158158"/>
+      </a:dk2>
+      <a:lt2>
+        <a:srgbClr val="F3F3F3"/>
+      </a:lt2>
+      <a:accent1>
+        <a:srgbClr val="058DC7"/>
+      </a:accent1>
+      <a:accent2>
+        <a:srgbClr val="50B432"/>
+      </a:accent2>
+      <a:accent3>
+        <a:srgbClr val="ED561B"/>
+      </a:accent3>
+      <a:accent4>
+        <a:srgbClr val="EDEF00"/>
+      </a:accent4>
+      <a:accent5>
+        <a:srgbClr val="24CBE5"/>
+      </a:accent5>
+      <a:accent6>
+        <a:srgbClr val="64E572"/>
+      </a:accent6>
+      <a:hlink>
+        <a:srgbClr val="2200CC"/>
+      </a:hlink>
+      <a:folHlink>
+        <a:srgbClr val="551A8B"/>
+      </a:folHlink>
+    </a:clrScheme>
+    <a:fontScheme name="Office">
+      <a:majorFont>
+        <a:latin typeface="Arial"/>
+        <a:ea typeface=""/>
+        <a:cs typeface=""/>
+        <a:font script="Jpan" typeface="ＭＳ Ｐゴシック"/>
+        <a:font script="Hang" typeface="맑은 고딕"/>
+        <a:font script="Hans" typeface="宋体"/>
+        <a:font script="Hant" typeface="新細明體"/>
+        <a:font script="Arab" typeface="Times New Roman"/>
+        <a:font script="Hebr" typeface="Times New Roman"/>
+        <a:font script="Thai" typeface="Angsana New"/>
+        <a:font script="Ethi" typeface="Nyala"/>
+        <a:font script="Beng" typeface="Vrinda"/>
+        <a:font script="Gujr" typeface="Shruti"/>
+        <a:font script="Khmr" typeface="MoolBoran"/>
+        <a:font script="Knda" typeface="Tunga"/>
+        <a:font script="Guru" typeface="Raavi"/>
+        <a:font script="Cans" typeface="Euphemia"/>
+        <a:font script="Cher" typeface="Plantagenet Cherokee"/>
+        <a:font script="Yiii" typeface="Microsoft Yi Baiti"/>
+        <a:font script="Tibt" typeface="Microsoft Himalaya"/>
+        <a:font script="Thaa" typeface="MV Boli"/>
+        <a:font script="Deva" typeface="Mangal"/>
+        <a:font script="Telu" typeface="Gautami"/>
+        <a:font script="Taml" typeface="Latha"/>
+        <a:font script="Syrc" typeface="Estrangelo Edessa"/>
+        <a:font script="Orya" typeface="Kalinga"/>
+        <a:font script="Mlym" typeface="Kartika"/>
+        <a:font script="Laoo" typeface="DokChampa"/>
+        <a:font script="Sinh" typeface="Iskoola Pota"/>
+        <a:font script="Mong" typeface="Mongolian Baiti"/>
+        <a:font script="Viet" typeface="Times New Roman"/>
+        <a:font script="Uigh" typeface="Microsoft Uighur"/>
+        <a:font script="Geor" typeface="Sylfaen"/>
+      </a:majorFont>
+      <a:minorFont>
+        <a:latin typeface="Arial"/>
+        <a:ea typeface=""/>
+        <a:cs typeface=""/>
+        <a:font script="Jpan" typeface="ＭＳ Ｐゴシック"/>
+        <a:font script="Hang" typeface="맑은 고딕"/>
+        <a:font script="Hans" typeface="宋体"/>
+        <a:font script="Hant" typeface="新細明體"/>
+        <a:font script="Arab" typeface="Arial"/>
+        <a:font script="Hebr" typeface="Arial"/>
+        <a:font script="Thai" typeface="Cordia New"/>
+        <a:font script="Ethi" typeface="Nyala"/>
+        <a:font script="Beng" typeface="Vrinda"/>
+        <a:font script="Gujr" typeface="Shruti"/>
+        <a:font script="Khmr" typeface="DaunPenh"/>
+        <a:font script="Knda" typeface="Tunga"/>
+        <a:font script="Guru" typeface="Raavi"/>
+        <a:font script="Cans" typeface="Euphemia"/>
+        <a:font script="Cher" typeface="Plantagenet Cherokee"/>
+        <a:font script="Yiii" typeface="Microsoft Yi Baiti"/>
+        <a:font script="Tibt" typeface="Microsoft Himalaya"/>
+        <a:font script="Thaa" typeface="MV Boli"/>
+        <a:font script="Deva" typeface="Mangal"/>
+        <a:font script="Telu" typeface="Gautami"/>
+        <a:font script="Taml" typeface="Latha"/>
+        <a:font script="Syrc" typeface="Estrangelo Edessa"/>
+        <a:font script="Orya" typeface="Kalinga"/>
+        <a:font script="Mlym" typeface="Kartika"/>
+        <a:font script="Laoo" typeface="DokChampa"/>
+        <a:font script="Sinh" typeface="Iskoola Pota"/>
+        <a:font script="Mong" typeface="Mongolian Baiti"/>
+        <a:font script="Viet" typeface="Arial"/>
+        <a:font script="Uigh" typeface="Microsoft Uighur"/>
+        <a:font script="Geor" typeface="Sylfaen"/>
+      </a:minorFont>
+    </a:fontScheme>
+    <a:fmtScheme name="Office">
+      <a:fillStyleLst>
+        <a:solidFill>
+          <a:schemeClr val="phClr"/>
+        </a:solidFill>
+        <a:gradFill rotWithShape="1">
+          <a:gsLst>
+            <a:gs pos="0">
+              <a:schemeClr val="phClr">
+                <a:tint val="50000"/>
+                <a:satMod val="300000"/>
+              </a:schemeClr>
+            </a:gs>
+            <a:gs pos="35000">
+              <a:schemeClr val="phClr">
+                <a:tint val="37000"/>
+                <a:satMod val="300000"/>
+              </a:schemeClr>
+            </a:gs>
+            <a:gs pos="100000">
+              <a:schemeClr val="phClr">
+                <a:tint val="15000"/>
+                <a:satMod val="350000"/>
+              </a:schemeClr>
+            </a:gs>
+          </a:gsLst>
+          <a:lin ang="16200000" scaled="1"/>
+        </a:gradFill>
+        <a:gradFill rotWithShape="1">
+          <a:gsLst>
+            <a:gs pos="0">
+              <a:schemeClr val="phClr">
+                <a:tint val="100000"/>
+                <a:shade val="100000"/>
+                <a:satMod val="130000"/>
+              </a:schemeClr>
+            </a:gs>
+            <a:gs pos="100000">
+              <a:schemeClr val="phClr">
+                <a:tint val="50000"/>
+                <a:shade val="100000"/>
+                <a:satMod val="350000"/>
+              </a:schemeClr>
+            </a:gs>
+          </a:gsLst>
+          <a:lin ang="16200000" scaled="0"/>
+        </a:gradFill>
+      </a:fillStyleLst>
+      <a:lnStyleLst>
+        <a:ln w="9525" cap="flat" cmpd="sng" algn="ctr">
+          <a:solidFill>
+            <a:schemeClr val="phClr">
+              <a:shade val="95000"/>
+              <a:satMod val="105000"/>
+            </a:schemeClr>
+          </a:solidFill>
+          <a:prstDash val="solid"/>
+        </a:ln>
+        <a:ln w="25400" cap="flat" cmpd="sng" algn="ctr">
+          <a:solidFill>
+            <a:schemeClr val="phClr"/>
+          </a:solidFill>
+          <a:prstDash val="solid"/>
+        </a:ln>
+        <a:ln w="38100" cap="flat" cmpd="sng" algn="ctr">
+          <a:solidFill>
+            <a:schemeClr val="phClr"/>
+          </a:solidFill>
+          <a:prstDash val="solid"/>
+        </a:ln>
+      </a:lnStyleLst>
+      <a:effectStyleLst>
+        <a:effectStyle>
+          <a:effectLst>
+            <a:outerShdw blurRad="40000" dist="20000" dir="5400000" rotWithShape="0">
+              <a:srgbClr val="000000">
+                <a:alpha val="38000"/>
+              </a:srgbClr>
+            </a:outerShdw>
+          </a:effectLst>
+        </a:effectStyle>
+        <a:effectStyle>
+          <a:effectLst>
+            <a:outerShdw blurRad="40000" dist="23000" dir="5400000" rotWithShape="0">
+              <a:srgbClr val="000000">
+                <a:alpha val="35000"/>
+              </a:srgbClr>
+            </a:outerShdw>
+          </a:effectLst>
+        </a:effectStyle>
+        <a:effectStyle>
+          <a:effectLst>
+            <a:outerShdw blurRad="40000" dist="23000" dir="5400000" rotWithShape="0">
+              <a:srgbClr val="000000">
+                <a:alpha val="35000"/>
+              </a:srgbClr>
+            </a:outerShdw>
+          </a:effectLst>
+          <a:scene3d>
+            <a:camera prst="orthographicFront">
+              <a:rot lat="0" lon="0" rev="0"/>
+            </a:camera>
+            <a:lightRig rig="threePt" dir="t">
+              <a:rot lat="0" lon="0" rev="1200000"/>
+            </a:lightRig>
+          </a:scene3d>
+          <a:sp3d>
+            <a:bevelT w="63500" h="25400"/>
+          </a:sp3d>
+        </a:effectStyle>
+      </a:effectStyleLst>
+      <a:bgFillStyleLst>
+        <a:solidFill>
+          <a:schemeClr val="phClr"/>
+        </a:solidFill>
+        <a:gradFill rotWithShape="1">
+          <a:gsLst>
+            <a:gs pos="0">
+              <a:schemeClr val="phClr">
+                <a:tint val="40000"/>
+                <a:satMod val="350000"/>
+              </a:schemeClr>
+            </a:gs>
+            <a:gs pos="40000">
+              <a:schemeClr val="phClr">
+                <a:tint val="45000"/>
+                <a:shade val="99000"/>
+                <a:satMod val="350000"/>
+              </a:schemeClr>
+            </a:gs>
+            <a:gs pos="100000">
+              <a:schemeClr val="phClr">
+                <a:shade val="20000"/>
+                <a:satMod val="255000"/>
+              </a:schemeClr>
+            </a:gs>
+          </a:gsLst>
+          <a:path path="circle">
+            <a:fillToRect l="50000" t="-80000" r="50000" b="180000"/>
+          </a:path>
+        </a:gradFill>
+        <a:gradFill rotWithShape="1">
+          <a:gsLst>
+            <a:gs pos="0">
+              <a:schemeClr val="phClr">
+                <a:tint val="80000"/>
+                <a:satMod val="300000"/>
+              </a:schemeClr>
+            </a:gs>
+            <a:gs pos="100000">
+              <a:schemeClr val="phClr">
+                <a:shade val="30000"/>
+                <a:satMod val="200000"/>
+              </a:schemeClr>
+            </a:gs>
+          </a:gsLst>
+          <a:path path="circle">
+            <a:fillToRect l="50000" t="50000" r="50000" b="50000"/>
+          </a:path>
+        </a:gradFill>
+      </a:bgFillStyleLst>
+    </a:fmtScheme>
+  </a:themeElements>
+</a:theme>
+</file>
+
+<file path=ppt/theme/theme2.xml><?xml version="1.0" encoding="utf-8"?>
 <a:theme xmlns:a="http://schemas.openxmlformats.org/drawingml/2006/main" xmlns:r="http://schemas.openxmlformats.org/officeDocument/2006/relationships" name="Simple Light">
   <a:themeElements>
     <a:clrScheme name="Simple Light">
@@ -18334,283 +18613,4 @@
     </a:fmtScheme>
   </a:themeElements>
 </a:theme>
-</file>
-
-<file path=ppt/theme/theme2.xml><?xml version="1.0" encoding="utf-8"?>
-<a:theme xmlns:a="http://schemas.openxmlformats.org/drawingml/2006/main" xmlns:r="http://schemas.openxmlformats.org/officeDocument/2006/relationships">
-  <a:themeElements>
-    <a:clrScheme name="Default">
-      <a:dk1>
-        <a:srgbClr val="000000"/>
-      </a:dk1>
-      <a:lt1>
-        <a:srgbClr val="FFFFFF"/>
-      </a:lt1>
-      <a:dk2>
-        <a:srgbClr val="158158"/>
-      </a:dk2>
-      <a:lt2>
-        <a:srgbClr val="F3F3F3"/>
-      </a:lt2>
-      <a:accent1>
-        <a:srgbClr val="058DC7"/>
-      </a:accent1>
-      <a:accent2>
-        <a:srgbClr val="50B432"/>
-      </a:accent2>
-      <a:accent3>
-        <a:srgbClr val="ED561B"/>
-      </a:accent3>
-      <a:accent4>
-        <a:srgbClr val="EDEF00"/>
-      </a:accent4>
-      <a:accent5>
-        <a:srgbClr val="24CBE5"/>
-      </a:accent5>
-      <a:accent6>
-        <a:srgbClr val="64E572"/>
-      </a:accent6>
-      <a:hlink>
-        <a:srgbClr val="2200CC"/>
-      </a:hlink>
-      <a:folHlink>
-        <a:srgbClr val="551A8B"/>
-      </a:folHlink>
-    </a:clrScheme>
-    <a:fontScheme name="Office">
-      <a:majorFont>
-        <a:latin typeface="Arial"/>
-        <a:ea typeface=""/>
-        <a:cs typeface=""/>
-        <a:font script="Jpan" typeface="ＭＳ Ｐゴシック"/>
-        <a:font script="Hang" typeface="맑은 고딕"/>
-        <a:font script="Hans" typeface="宋体"/>
-        <a:font script="Hant" typeface="新細明體"/>
-        <a:font script="Arab" typeface="Times New Roman"/>
-        <a:font script="Hebr" typeface="Times New Roman"/>
-        <a:font script="Thai" typeface="Angsana New"/>
-        <a:font script="Ethi" typeface="Nyala"/>
-        <a:font script="Beng" typeface="Vrinda"/>
-        <a:font script="Gujr" typeface="Shruti"/>
-        <a:font script="Khmr" typeface="MoolBoran"/>
-        <a:font script="Knda" typeface="Tunga"/>
-        <a:font script="Guru" typeface="Raavi"/>
-        <a:font script="Cans" typeface="Euphemia"/>
-        <a:font script="Cher" typeface="Plantagenet Cherokee"/>
-        <a:font script="Yiii" typeface="Microsoft Yi Baiti"/>
-        <a:font script="Tibt" typeface="Microsoft Himalaya"/>
-        <a:font script="Thaa" typeface="MV Boli"/>
-        <a:font script="Deva" typeface="Mangal"/>
-        <a:font script="Telu" typeface="Gautami"/>
-        <a:font script="Taml" typeface="Latha"/>
-        <a:font script="Syrc" typeface="Estrangelo Edessa"/>
-        <a:font script="Orya" typeface="Kalinga"/>
-        <a:font script="Mlym" typeface="Kartika"/>
-        <a:font script="Laoo" typeface="DokChampa"/>
-        <a:font script="Sinh" typeface="Iskoola Pota"/>
-        <a:font script="Mong" typeface="Mongolian Baiti"/>
-        <a:font script="Viet" typeface="Times New Roman"/>
-        <a:font script="Uigh" typeface="Microsoft Uighur"/>
-        <a:font script="Geor" typeface="Sylfaen"/>
-      </a:majorFont>
-      <a:minorFont>
-        <a:latin typeface="Arial"/>
-        <a:ea typeface=""/>
-        <a:cs typeface=""/>
-        <a:font script="Jpan" typeface="ＭＳ Ｐゴシック"/>
-        <a:font script="Hang" typeface="맑은 고딕"/>
-        <a:font script="Hans" typeface="宋体"/>
-        <a:font script="Hant" typeface="新細明體"/>
-        <a:font script="Arab" typeface="Arial"/>
-        <a:font script="Hebr" typeface="Arial"/>
-        <a:font script="Thai" typeface="Cordia New"/>
-        <a:font script="Ethi" typeface="Nyala"/>
-        <a:font script="Beng" typeface="Vrinda"/>
-        <a:font script="Gujr" typeface="Shruti"/>
-        <a:font script="Khmr" typeface="DaunPenh"/>
-        <a:font script="Knda" typeface="Tunga"/>
-        <a:font script="Guru" typeface="Raavi"/>
-        <a:font script="Cans" typeface="Euphemia"/>
-        <a:font script="Cher" typeface="Plantagenet Cherokee"/>
-        <a:font script="Yiii" typeface="Microsoft Yi Baiti"/>
-        <a:font script="Tibt" typeface="Microsoft Himalaya"/>
-        <a:font script="Thaa" typeface="MV Boli"/>
-        <a:font script="Deva" typeface="Mangal"/>
-        <a:font script="Telu" typeface="Gautami"/>
-        <a:font script="Taml" typeface="Latha"/>
-        <a:font script="Syrc" typeface="Estrangelo Edessa"/>
-        <a:font script="Orya" typeface="Kalinga"/>
-        <a:font script="Mlym" typeface="Kartika"/>
-        <a:font script="Laoo" typeface="DokChampa"/>
-        <a:font script="Sinh" typeface="Iskoola Pota"/>
-        <a:font script="Mong" typeface="Mongolian Baiti"/>
-        <a:font script="Viet" typeface="Arial"/>
-        <a:font script="Uigh" typeface="Microsoft Uighur"/>
-        <a:font script="Geor" typeface="Sylfaen"/>
-      </a:minorFont>
-    </a:fontScheme>
-    <a:fmtScheme name="Office">
-      <a:fillStyleLst>
-        <a:solidFill>
-          <a:schemeClr val="phClr"/>
-        </a:solidFill>
-        <a:gradFill rotWithShape="1">
-          <a:gsLst>
-            <a:gs pos="0">
-              <a:schemeClr val="phClr">
-                <a:tint val="50000"/>
-                <a:satMod val="300000"/>
-              </a:schemeClr>
-            </a:gs>
-            <a:gs pos="35000">
-              <a:schemeClr val="phClr">
-                <a:tint val="37000"/>
-                <a:satMod val="300000"/>
-              </a:schemeClr>
-            </a:gs>
-            <a:gs pos="100000">
-              <a:schemeClr val="phClr">
-                <a:tint val="15000"/>
-                <a:satMod val="350000"/>
-              </a:schemeClr>
-            </a:gs>
-          </a:gsLst>
-          <a:lin ang="16200000" scaled="1"/>
-        </a:gradFill>
-        <a:gradFill rotWithShape="1">
-          <a:gsLst>
-            <a:gs pos="0">
-              <a:schemeClr val="phClr">
-                <a:tint val="100000"/>
-                <a:shade val="100000"/>
-                <a:satMod val="130000"/>
-              </a:schemeClr>
-            </a:gs>
-            <a:gs pos="100000">
-              <a:schemeClr val="phClr">
-                <a:tint val="50000"/>
-                <a:shade val="100000"/>
-                <a:satMod val="350000"/>
-              </a:schemeClr>
-            </a:gs>
-          </a:gsLst>
-          <a:lin ang="16200000" scaled="0"/>
-        </a:gradFill>
-      </a:fillStyleLst>
-      <a:lnStyleLst>
-        <a:ln w="9525" cap="flat" cmpd="sng" algn="ctr">
-          <a:solidFill>
-            <a:schemeClr val="phClr">
-              <a:shade val="95000"/>
-              <a:satMod val="105000"/>
-            </a:schemeClr>
-          </a:solidFill>
-          <a:prstDash val="solid"/>
-        </a:ln>
-        <a:ln w="25400" cap="flat" cmpd="sng" algn="ctr">
-          <a:solidFill>
-            <a:schemeClr val="phClr"/>
-          </a:solidFill>
-          <a:prstDash val="solid"/>
-        </a:ln>
-        <a:ln w="38100" cap="flat" cmpd="sng" algn="ctr">
-          <a:solidFill>
-            <a:schemeClr val="phClr"/>
-          </a:solidFill>
-          <a:prstDash val="solid"/>
-        </a:ln>
-      </a:lnStyleLst>
-      <a:effectStyleLst>
-        <a:effectStyle>
-          <a:effectLst>
-            <a:outerShdw blurRad="40000" dist="20000" dir="5400000" rotWithShape="0">
-              <a:srgbClr val="000000">
-                <a:alpha val="38000"/>
-              </a:srgbClr>
-            </a:outerShdw>
-          </a:effectLst>
-        </a:effectStyle>
-        <a:effectStyle>
-          <a:effectLst>
-            <a:outerShdw blurRad="40000" dist="23000" dir="5400000" rotWithShape="0">
-              <a:srgbClr val="000000">
-                <a:alpha val="35000"/>
-              </a:srgbClr>
-            </a:outerShdw>
-          </a:effectLst>
-        </a:effectStyle>
-        <a:effectStyle>
-          <a:effectLst>
-            <a:outerShdw blurRad="40000" dist="23000" dir="5400000" rotWithShape="0">
-              <a:srgbClr val="000000">
-                <a:alpha val="35000"/>
-              </a:srgbClr>
-            </a:outerShdw>
-          </a:effectLst>
-          <a:scene3d>
-            <a:camera prst="orthographicFront">
-              <a:rot lat="0" lon="0" rev="0"/>
-            </a:camera>
-            <a:lightRig rig="threePt" dir="t">
-              <a:rot lat="0" lon="0" rev="1200000"/>
-            </a:lightRig>
-          </a:scene3d>
-          <a:sp3d>
-            <a:bevelT w="63500" h="25400"/>
-          </a:sp3d>
-        </a:effectStyle>
-      </a:effectStyleLst>
-      <a:bgFillStyleLst>
-        <a:solidFill>
-          <a:schemeClr val="phClr"/>
-        </a:solidFill>
-        <a:gradFill rotWithShape="1">
-          <a:gsLst>
-            <a:gs pos="0">
-              <a:schemeClr val="phClr">
-                <a:tint val="40000"/>
-                <a:satMod val="350000"/>
-              </a:schemeClr>
-            </a:gs>
-            <a:gs pos="40000">
-              <a:schemeClr val="phClr">
-                <a:tint val="45000"/>
-                <a:shade val="99000"/>
-                <a:satMod val="350000"/>
-              </a:schemeClr>
-            </a:gs>
-            <a:gs pos="100000">
-              <a:schemeClr val="phClr">
-                <a:shade val="20000"/>
-                <a:satMod val="255000"/>
-              </a:schemeClr>
-            </a:gs>
-          </a:gsLst>
-          <a:path path="circle">
-            <a:fillToRect l="50000" t="-80000" r="50000" b="180000"/>
-          </a:path>
-        </a:gradFill>
-        <a:gradFill rotWithShape="1">
-          <a:gsLst>
-            <a:gs pos="0">
-              <a:schemeClr val="phClr">
-                <a:tint val="80000"/>
-                <a:satMod val="300000"/>
-              </a:schemeClr>
-            </a:gs>
-            <a:gs pos="100000">
-              <a:schemeClr val="phClr">
-                <a:shade val="30000"/>
-                <a:satMod val="200000"/>
-              </a:schemeClr>
-            </a:gs>
-          </a:gsLst>
-          <a:path path="circle">
-            <a:fillToRect l="50000" t="50000" r="50000" b="50000"/>
-          </a:path>
-        </a:gradFill>
-      </a:bgFillStyleLst>
-    </a:fmtScheme>
-  </a:themeElements>
-</a:theme>
 </file>